--- a/ppt/08.模型评估.pptx
+++ b/ppt/08.模型评估.pptx
@@ -5,12 +5,16 @@
     <p:sldMasterId id="2147483648" r:id="rId1"/>
   </p:sldMasterIdLst>
   <p:notesMasterIdLst>
-    <p:notesMasterId r:id="rId5"/>
+    <p:notesMasterId r:id="rId9"/>
   </p:notesMasterIdLst>
   <p:sldIdLst>
     <p:sldId id="256" r:id="rId2"/>
     <p:sldId id="257" r:id="rId3"/>
-    <p:sldId id="303" r:id="rId4"/>
+    <p:sldId id="313" r:id="rId4"/>
+    <p:sldId id="314" r:id="rId5"/>
+    <p:sldId id="315" r:id="rId6"/>
+    <p:sldId id="316" r:id="rId7"/>
+    <p:sldId id="303" r:id="rId8"/>
   </p:sldIdLst>
   <p:sldSz cx="12192000" cy="6858000"/>
   <p:notesSz cx="6858000" cy="9144000"/>
@@ -199,7 +203,7 @@
           <a:p>
             <a:fld id="{DACACA31-A8D1-C749-B637-11AA2950D448}" type="datetimeFigureOut">
               <a:rPr lang="en-US" smtClean="0"/>
-              <a:t>3/15/24</a:t>
+              <a:t>4/7/24</a:t>
             </a:fld>
             <a:endParaRPr lang="en-US"/>
           </a:p>
@@ -603,7 +607,7 @@
           <a:p>
             <a:fld id="{96C716C6-330E-FB4E-98B0-A511746D665E}" type="datetimeFigureOut">
               <a:rPr lang="en-US" smtClean="0"/>
-              <a:t>3/15/24</a:t>
+              <a:t>4/7/24</a:t>
             </a:fld>
             <a:endParaRPr lang="en-US"/>
           </a:p>
@@ -879,7 +883,7 @@
           <a:p>
             <a:fld id="{96C716C6-330E-FB4E-98B0-A511746D665E}" type="datetimeFigureOut">
               <a:rPr lang="en-US" smtClean="0"/>
-              <a:t>3/15/24</a:t>
+              <a:t>4/7/24</a:t>
             </a:fld>
             <a:endParaRPr lang="en-US"/>
           </a:p>
@@ -1071,7 +1075,7 @@
           <a:p>
             <a:fld id="{96C716C6-330E-FB4E-98B0-A511746D665E}" type="datetimeFigureOut">
               <a:rPr lang="en-US" smtClean="0"/>
-              <a:t>3/15/24</a:t>
+              <a:t>4/7/24</a:t>
             </a:fld>
             <a:endParaRPr lang="en-US"/>
           </a:p>
@@ -1273,7 +1277,7 @@
           <a:p>
             <a:fld id="{96C716C6-330E-FB4E-98B0-A511746D665E}" type="datetimeFigureOut">
               <a:rPr lang="en-US" smtClean="0"/>
-              <a:t>3/15/24</a:t>
+              <a:t>4/7/24</a:t>
             </a:fld>
             <a:endParaRPr lang="en-US"/>
           </a:p>
@@ -1465,7 +1469,7 @@
           <a:p>
             <a:fld id="{96C716C6-330E-FB4E-98B0-A511746D665E}" type="datetimeFigureOut">
               <a:rPr lang="en-US" smtClean="0"/>
-              <a:t>3/15/24</a:t>
+              <a:t>4/7/24</a:t>
             </a:fld>
             <a:endParaRPr lang="en-US"/>
           </a:p>
@@ -1713,7 +1717,7 @@
           <a:p>
             <a:fld id="{96C716C6-330E-FB4E-98B0-A511746D665E}" type="datetimeFigureOut">
               <a:rPr lang="en-US" smtClean="0"/>
-              <a:t>3/15/24</a:t>
+              <a:t>4/7/24</a:t>
             </a:fld>
             <a:endParaRPr lang="en-US"/>
           </a:p>
@@ -1977,7 +1981,7 @@
           <a:p>
             <a:fld id="{96C716C6-330E-FB4E-98B0-A511746D665E}" type="datetimeFigureOut">
               <a:rPr lang="en-US" smtClean="0"/>
-              <a:t>3/15/24</a:t>
+              <a:t>4/7/24</a:t>
             </a:fld>
             <a:endParaRPr lang="en-US"/>
           </a:p>
@@ -2230,7 +2234,7 @@
           <a:p>
             <a:fld id="{96C716C6-330E-FB4E-98B0-A511746D665E}" type="datetimeFigureOut">
               <a:rPr lang="en-US" smtClean="0"/>
-              <a:t>3/15/24</a:t>
+              <a:t>4/7/24</a:t>
             </a:fld>
             <a:endParaRPr lang="en-US"/>
           </a:p>
@@ -2618,7 +2622,7 @@
           <a:p>
             <a:fld id="{96C716C6-330E-FB4E-98B0-A511746D665E}" type="datetimeFigureOut">
               <a:rPr lang="en-US" smtClean="0"/>
-              <a:t>3/15/24</a:t>
+              <a:t>4/7/24</a:t>
             </a:fld>
             <a:endParaRPr lang="en-US"/>
           </a:p>
@@ -2759,7 +2763,7 @@
           <a:p>
             <a:fld id="{96C716C6-330E-FB4E-98B0-A511746D665E}" type="datetimeFigureOut">
               <a:rPr lang="en-US" smtClean="0"/>
-              <a:t>3/15/24</a:t>
+              <a:t>4/7/24</a:t>
             </a:fld>
             <a:endParaRPr lang="en-US"/>
           </a:p>
@@ -2878,7 +2882,7 @@
           <a:p>
             <a:fld id="{96C716C6-330E-FB4E-98B0-A511746D665E}" type="datetimeFigureOut">
               <a:rPr lang="en-US" smtClean="0"/>
-              <a:t>3/15/24</a:t>
+              <a:t>4/7/24</a:t>
             </a:fld>
             <a:endParaRPr lang="en-US"/>
           </a:p>
@@ -3177,7 +3181,7 @@
           <a:p>
             <a:fld id="{96C716C6-330E-FB4E-98B0-A511746D665E}" type="datetimeFigureOut">
               <a:rPr lang="en-US" smtClean="0"/>
-              <a:t>3/15/24</a:t>
+              <a:t>4/7/24</a:t>
             </a:fld>
             <a:endParaRPr lang="en-US"/>
           </a:p>
@@ -3804,7 +3808,7 @@
                 <a:ea typeface="Microsoft YaHei" charset="-122"/>
                 <a:cs typeface="Microsoft YaHei" charset="-122"/>
               </a:rPr>
-              <a:t>二分类 </a:t>
+              <a:t>模型评估 </a:t>
             </a:r>
             <a:r>
               <a:rPr lang="en-US" altLang="zh-CN" sz="3200" dirty="0">
@@ -3814,7 +3818,7 @@
                 <a:latin typeface="Pristina" panose="020F0502020204030204" pitchFamily="34" charset="0"/>
                 <a:cs typeface="Pristina" panose="020F0502020204030204" pitchFamily="34" charset="0"/>
               </a:rPr>
-              <a:t>Binary</a:t>
+              <a:t>Model</a:t>
             </a:r>
             <a:r>
               <a:rPr lang="zh-CN" altLang="en-US" sz="3200" dirty="0">
@@ -3834,7 +3838,7 @@
                 <a:latin typeface="Pristina" panose="020F0502020204030204" pitchFamily="34" charset="0"/>
                 <a:cs typeface="Pristina" panose="020F0502020204030204" pitchFamily="34" charset="0"/>
               </a:rPr>
-              <a:t>Classification</a:t>
+              <a:t>Evaluation</a:t>
             </a:r>
             <a:endParaRPr lang="en-US" sz="3200" b="1" dirty="0">
               <a:latin typeface="Microsoft YaHei" charset="-122"/>
@@ -3882,46 +3886,6 @@
             </a:endParaRPr>
           </a:p>
           <a:p>
-            <a:pPr algn="l"/>
-            <a:r>
-              <a:rPr lang="zh-CN" altLang="en-US" sz="1800" dirty="0">
-                <a:solidFill>
-                  <a:schemeClr val="bg1">
-                    <a:lumMod val="50000"/>
-                  </a:schemeClr>
-                </a:solidFill>
-                <a:latin typeface="Kaiti TC" panose="02010600040101010101" pitchFamily="2" charset="-120"/>
-                <a:ea typeface="Kaiti TC" panose="02010600040101010101" pitchFamily="2" charset="-120"/>
-                <a:cs typeface="Chalkboard" charset="0"/>
-              </a:rPr>
-              <a:t>　　竹外桃花三两枝，春江水暖鸭先知。</a:t>
-            </a:r>
-            <a:endParaRPr lang="en-US" altLang="zh-CN" sz="1800" dirty="0">
-              <a:solidFill>
-                <a:schemeClr val="bg1">
-                  <a:lumMod val="50000"/>
-                </a:schemeClr>
-              </a:solidFill>
-              <a:latin typeface="Kaiti TC" panose="02010600040101010101" pitchFamily="2" charset="-120"/>
-              <a:ea typeface="Kaiti TC" panose="02010600040101010101" pitchFamily="2" charset="-120"/>
-              <a:cs typeface="Chalkboard" charset="0"/>
-            </a:endParaRPr>
-          </a:p>
-          <a:p>
-            <a:pPr algn="l"/>
-            <a:r>
-              <a:rPr lang="zh-CN" altLang="en-US" sz="1800" dirty="0">
-                <a:solidFill>
-                  <a:schemeClr val="bg1">
-                    <a:lumMod val="50000"/>
-                  </a:schemeClr>
-                </a:solidFill>
-                <a:latin typeface="Kaiti TC" panose="02010600040101010101" pitchFamily="2" charset="-120"/>
-                <a:ea typeface="Kaiti TC" panose="02010600040101010101" pitchFamily="2" charset="-120"/>
-                <a:cs typeface="Chalkboard" charset="0"/>
-              </a:rPr>
-              <a:t>　　　　　　　　　　　　　　　　　　　　　　　　　</a:t>
-            </a:r>
             <a:r>
               <a:rPr lang="en-US" altLang="zh-CN" sz="1800" dirty="0">
                 <a:solidFill>
@@ -3946,48 +3910,9 @@
                 <a:ea typeface="Kaiti TC" panose="02010600040101010101" pitchFamily="2" charset="-120"/>
                 <a:cs typeface="Chalkboard" charset="0"/>
               </a:rPr>
-              <a:t>苏轼</a:t>
-            </a:r>
-            <a:r>
-              <a:rPr lang="en-US" altLang="zh-CN" sz="1800" dirty="0">
-                <a:solidFill>
-                  <a:schemeClr val="bg1">
-                    <a:lumMod val="50000"/>
-                  </a:schemeClr>
-                </a:solidFill>
-                <a:latin typeface="Kaiti TC" panose="02010600040101010101" pitchFamily="2" charset="-120"/>
-                <a:ea typeface="Kaiti TC" panose="02010600040101010101" pitchFamily="2" charset="-120"/>
-                <a:cs typeface="Chalkboard" charset="0"/>
-              </a:rPr>
-              <a:t>《</a:t>
-            </a:r>
-            <a:r>
-              <a:rPr lang="zh-CN" altLang="en-US" sz="1800" dirty="0">
-                <a:solidFill>
-                  <a:schemeClr val="bg1">
-                    <a:lumMod val="50000"/>
-                  </a:schemeClr>
-                </a:solidFill>
-                <a:latin typeface="Kaiti TC" panose="02010600040101010101" pitchFamily="2" charset="-120"/>
-                <a:ea typeface="Kaiti TC" panose="02010600040101010101" pitchFamily="2" charset="-120"/>
-                <a:cs typeface="Chalkboard" charset="0"/>
-              </a:rPr>
-              <a:t>惠崇春江晚景</a:t>
-            </a:r>
-            <a:r>
-              <a:rPr lang="en-US" altLang="zh-CN" sz="1800" dirty="0">
-                <a:solidFill>
-                  <a:schemeClr val="bg1">
-                    <a:lumMod val="50000"/>
-                  </a:schemeClr>
-                </a:solidFill>
-                <a:latin typeface="Kaiti TC" panose="02010600040101010101" pitchFamily="2" charset="-120"/>
-                <a:ea typeface="Kaiti TC" panose="02010600040101010101" pitchFamily="2" charset="-120"/>
-                <a:cs typeface="Chalkboard" charset="0"/>
-              </a:rPr>
-              <a:t>》</a:t>
-            </a:r>
-            <a:endParaRPr lang="en-US" sz="1800" dirty="0">
+              <a:t>自测结果：分类评估、回归评估</a:t>
+            </a:r>
+            <a:endParaRPr lang="en-US" altLang="zh-CN" sz="1800" dirty="0">
               <a:solidFill>
                 <a:schemeClr val="bg1">
                   <a:lumMod val="50000"/>
@@ -4077,7 +4002,7 @@
           <a:lstStyle/>
           <a:p>
             <a:r>
-              <a:rPr lang="zh-CN" altLang="en-US" b="1">
+              <a:rPr lang="zh-CN" altLang="en-US" b="1" dirty="0">
                 <a:solidFill>
                   <a:schemeClr val="accent2">
                     <a:lumMod val="75000"/>
@@ -4087,7 +4012,7 @@
                 <a:ea typeface="Chalkboard" charset="0"/>
                 <a:cs typeface="Chalkboard" charset="0"/>
               </a:rPr>
-              <a:t>对比案例</a:t>
+              <a:t>评估基础</a:t>
             </a:r>
             <a:endParaRPr lang="en-US" altLang="zh-CN" b="1" dirty="0">
               <a:solidFill>
@@ -4112,7 +4037,7 @@
                 <a:ea typeface="Chalkboard" charset="0"/>
                 <a:cs typeface="Chalkboard" charset="0"/>
               </a:rPr>
-              <a:t>关于编码器</a:t>
+              <a:t>分类和回归</a:t>
             </a:r>
             <a:endParaRPr lang="en-US" altLang="zh-CN" dirty="0">
               <a:solidFill>
@@ -4137,7 +4062,7 @@
                 <a:ea typeface="Chalkboard" charset="0"/>
                 <a:cs typeface="Chalkboard" charset="0"/>
               </a:rPr>
-              <a:t>案例分析：特征处理</a:t>
+              <a:t>案例分析：代码案例</a:t>
             </a:r>
             <a:r>
               <a:rPr lang="zh-CN" altLang="en-US" b="1" dirty="0">
@@ -4175,6 +4100,1548 @@
 </file>
 
 <file path=ppt/slides/slide3.xml><?xml version="1.0" encoding="utf-8"?>
+<p:sld xmlns:a="http://schemas.openxmlformats.org/drawingml/2006/main" xmlns:r="http://schemas.openxmlformats.org/officeDocument/2006/relationships" xmlns:p="http://schemas.openxmlformats.org/presentationml/2006/main">
+  <p:cSld>
+    <p:spTree>
+      <p:nvGrpSpPr>
+        <p:cNvPr id="1" name=""/>
+        <p:cNvGrpSpPr/>
+        <p:nvPr/>
+      </p:nvGrpSpPr>
+      <p:grpSpPr>
+        <a:xfrm>
+          <a:off x="0" y="0"/>
+          <a:ext cx="0" cy="0"/>
+          <a:chOff x="0" y="0"/>
+          <a:chExt cx="0" cy="0"/>
+        </a:xfrm>
+      </p:grpSpPr>
+      <p:sp>
+        <p:nvSpPr>
+          <p:cNvPr id="6" name="Title 5"/>
+          <p:cNvSpPr>
+            <a:spLocks noGrp="1"/>
+          </p:cNvSpPr>
+          <p:nvPr>
+            <p:ph type="title"/>
+          </p:nvPr>
+        </p:nvSpPr>
+        <p:spPr>
+          <a:xfrm>
+            <a:off x="838200" y="193964"/>
+            <a:ext cx="10515600" cy="1153574"/>
+          </a:xfrm>
+        </p:spPr>
+        <p:txBody>
+          <a:bodyPr>
+            <a:normAutofit/>
+          </a:bodyPr>
+          <a:lstStyle/>
+          <a:p>
+            <a:pPr>
+              <a:lnSpc>
+                <a:spcPct val="150000"/>
+              </a:lnSpc>
+            </a:pPr>
+            <a:r>
+              <a:rPr lang="zh-CN" altLang="en-US" sz="2400" b="1" dirty="0">
+                <a:latin typeface="Microsoft YaHei" panose="020B0503020204020204" pitchFamily="34" charset="-122"/>
+                <a:ea typeface="Microsoft YaHei" panose="020B0503020204020204" pitchFamily="34" charset="-122"/>
+              </a:rPr>
+              <a:t>评估基础</a:t>
+            </a:r>
+            <a:br>
+              <a:rPr lang="en-US" altLang="zh-CN" sz="1800" dirty="0">
+                <a:solidFill>
+                  <a:schemeClr val="bg1">
+                    <a:lumMod val="50000"/>
+                  </a:schemeClr>
+                </a:solidFill>
+              </a:rPr>
+            </a:br>
+            <a:r>
+              <a:rPr lang="en-US" altLang="zh-CN" sz="1800" dirty="0">
+                <a:solidFill>
+                  <a:srgbClr val="0070C0"/>
+                </a:solidFill>
+                <a:latin typeface="Pristina" panose="020F0502020204030204" pitchFamily="34" charset="0"/>
+              </a:rPr>
+              <a:t>Data</a:t>
+            </a:r>
+            <a:r>
+              <a:rPr lang="zh-CN" altLang="en-US" sz="1800" dirty="0">
+                <a:solidFill>
+                  <a:srgbClr val="0070C0"/>
+                </a:solidFill>
+                <a:latin typeface="Pristina" panose="020F0502020204030204" pitchFamily="34" charset="0"/>
+              </a:rPr>
+              <a:t> </a:t>
+            </a:r>
+            <a:r>
+              <a:rPr lang="en-US" altLang="zh-CN" sz="1800" dirty="0">
+                <a:solidFill>
+                  <a:srgbClr val="0070C0"/>
+                </a:solidFill>
+                <a:latin typeface="Pristina" panose="020F0502020204030204" pitchFamily="34" charset="0"/>
+              </a:rPr>
+              <a:t>Set</a:t>
+            </a:r>
+            <a:r>
+              <a:rPr lang="zh-CN" altLang="en-US" sz="1800" dirty="0">
+                <a:solidFill>
+                  <a:srgbClr val="0070C0"/>
+                </a:solidFill>
+                <a:latin typeface="Pristina" panose="020F0502020204030204" pitchFamily="34" charset="0"/>
+              </a:rPr>
+              <a:t> </a:t>
+            </a:r>
+            <a:r>
+              <a:rPr lang="en-US" altLang="zh-CN" sz="1800" dirty="0">
+                <a:solidFill>
+                  <a:srgbClr val="0070C0"/>
+                </a:solidFill>
+                <a:latin typeface="Pristina" panose="020F0502020204030204" pitchFamily="34" charset="0"/>
+              </a:rPr>
+              <a:t>Splitting</a:t>
+            </a:r>
+            <a:endParaRPr lang="en-US" sz="1800" dirty="0">
+              <a:solidFill>
+                <a:srgbClr val="0070C0"/>
+              </a:solidFill>
+              <a:latin typeface="Pristina" panose="020F0502020204030204" pitchFamily="34" charset="0"/>
+              <a:cs typeface="Pristina" panose="020F0502020204030204" pitchFamily="34" charset="0"/>
+            </a:endParaRPr>
+          </a:p>
+        </p:txBody>
+      </p:sp>
+      <p:sp>
+        <p:nvSpPr>
+          <p:cNvPr id="7" name="Content Placeholder 6"/>
+          <p:cNvSpPr>
+            <a:spLocks noGrp="1"/>
+          </p:cNvSpPr>
+          <p:nvPr>
+            <p:ph idx="1"/>
+          </p:nvPr>
+        </p:nvSpPr>
+        <p:spPr>
+          <a:xfrm>
+            <a:off x="838200" y="1472665"/>
+            <a:ext cx="10515600" cy="4704298"/>
+          </a:xfrm>
+        </p:spPr>
+        <p:txBody>
+          <a:bodyPr>
+            <a:normAutofit/>
+          </a:bodyPr>
+          <a:lstStyle/>
+          <a:p>
+            <a:pPr>
+              <a:lnSpc>
+                <a:spcPct val="150000"/>
+              </a:lnSpc>
+            </a:pPr>
+            <a:r>
+              <a:rPr lang="zh-CN" altLang="en-US" sz="2000" dirty="0">
+                <a:solidFill>
+                  <a:schemeClr val="bg2">
+                    <a:lumMod val="25000"/>
+                  </a:schemeClr>
+                </a:solidFill>
+              </a:rPr>
+              <a:t>数据集切割</a:t>
+            </a:r>
+          </a:p>
+          <a:p>
+            <a:pPr marL="0" indent="0">
+              <a:lnSpc>
+                <a:spcPct val="150000"/>
+              </a:lnSpc>
+              <a:buNone/>
+            </a:pPr>
+            <a:r>
+              <a:rPr lang="zh-CN" altLang="en-US" sz="1800" dirty="0">
+                <a:solidFill>
+                  <a:schemeClr val="bg2">
+                    <a:lumMod val="25000"/>
+                  </a:schemeClr>
+                </a:solidFill>
+              </a:rPr>
+              <a:t>标</a:t>
+            </a:r>
+            <a:endParaRPr lang="en-US" altLang="zh-CN" sz="1800" dirty="0">
+              <a:solidFill>
+                <a:schemeClr val="bg2">
+                  <a:lumMod val="25000"/>
+                </a:schemeClr>
+              </a:solidFill>
+            </a:endParaRPr>
+          </a:p>
+        </p:txBody>
+      </p:sp>
+      <p:sp>
+        <p:nvSpPr>
+          <p:cNvPr id="5" name="Content Placeholder 6">
+            <a:extLst>
+              <a:ext uri="{FF2B5EF4-FFF2-40B4-BE49-F238E27FC236}">
+                <a16:creationId xmlns:a16="http://schemas.microsoft.com/office/drawing/2014/main" id="{5B912217-D3EA-7142-89E0-BA2CB0D6F175}"/>
+              </a:ext>
+            </a:extLst>
+          </p:cNvPr>
+          <p:cNvSpPr txBox="1">
+            <a:spLocks/>
+          </p:cNvSpPr>
+          <p:nvPr/>
+        </p:nvSpPr>
+        <p:spPr>
+          <a:xfrm>
+            <a:off x="6843386" y="2956141"/>
+            <a:ext cx="4662814" cy="1728593"/>
+          </a:xfrm>
+          <a:prstGeom prst="rect">
+            <a:avLst/>
+          </a:prstGeom>
+        </p:spPr>
+        <p:txBody>
+          <a:bodyPr vert="horz" lIns="91440" tIns="45720" rIns="91440" bIns="45720" rtlCol="0">
+            <a:normAutofit/>
+          </a:bodyPr>
+          <a:lstStyle>
+            <a:lvl1pPr marL="228600" indent="-228600" algn="l" defTabSz="914400" rtl="0" eaLnBrk="1" latinLnBrk="0" hangingPunct="1">
+              <a:lnSpc>
+                <a:spcPct val="90000"/>
+              </a:lnSpc>
+              <a:spcBef>
+                <a:spcPts val="1000"/>
+              </a:spcBef>
+              <a:buFont typeface="Arial"/>
+              <a:buChar char="•"/>
+              <a:defRPr sz="2800" kern="1200">
+                <a:solidFill>
+                  <a:schemeClr val="tx1"/>
+                </a:solidFill>
+                <a:latin typeface="Chalkboard" charset="0"/>
+                <a:ea typeface="Chalkboard" charset="0"/>
+                <a:cs typeface="Chalkboard" charset="0"/>
+              </a:defRPr>
+            </a:lvl1pPr>
+            <a:lvl2pPr marL="685800" indent="-228600" algn="l" defTabSz="914400" rtl="0" eaLnBrk="1" latinLnBrk="0" hangingPunct="1">
+              <a:lnSpc>
+                <a:spcPct val="90000"/>
+              </a:lnSpc>
+              <a:spcBef>
+                <a:spcPts val="500"/>
+              </a:spcBef>
+              <a:buFont typeface="Arial"/>
+              <a:buChar char="•"/>
+              <a:defRPr sz="2400" kern="1200">
+                <a:solidFill>
+                  <a:schemeClr val="tx1"/>
+                </a:solidFill>
+                <a:latin typeface="Chalkboard" charset="0"/>
+                <a:ea typeface="Chalkboard" charset="0"/>
+                <a:cs typeface="Chalkboard" charset="0"/>
+              </a:defRPr>
+            </a:lvl2pPr>
+            <a:lvl3pPr marL="1143000" indent="-228600" algn="l" defTabSz="914400" rtl="0" eaLnBrk="1" latinLnBrk="0" hangingPunct="1">
+              <a:lnSpc>
+                <a:spcPct val="90000"/>
+              </a:lnSpc>
+              <a:spcBef>
+                <a:spcPts val="500"/>
+              </a:spcBef>
+              <a:buFont typeface="Arial"/>
+              <a:buChar char="•"/>
+              <a:defRPr sz="2000" kern="1200">
+                <a:solidFill>
+                  <a:schemeClr val="tx1"/>
+                </a:solidFill>
+                <a:latin typeface="Chalkboard" charset="0"/>
+                <a:ea typeface="Chalkboard" charset="0"/>
+                <a:cs typeface="Chalkboard" charset="0"/>
+              </a:defRPr>
+            </a:lvl3pPr>
+            <a:lvl4pPr marL="1600200" indent="-228600" algn="l" defTabSz="914400" rtl="0" eaLnBrk="1" latinLnBrk="0" hangingPunct="1">
+              <a:lnSpc>
+                <a:spcPct val="90000"/>
+              </a:lnSpc>
+              <a:spcBef>
+                <a:spcPts val="500"/>
+              </a:spcBef>
+              <a:buFont typeface="Arial"/>
+              <a:buChar char="•"/>
+              <a:defRPr sz="1800" kern="1200">
+                <a:solidFill>
+                  <a:schemeClr val="tx1"/>
+                </a:solidFill>
+                <a:latin typeface="Chalkboard" charset="0"/>
+                <a:ea typeface="Chalkboard" charset="0"/>
+                <a:cs typeface="Chalkboard" charset="0"/>
+              </a:defRPr>
+            </a:lvl4pPr>
+            <a:lvl5pPr marL="2057400" indent="-228600" algn="l" defTabSz="914400" rtl="0" eaLnBrk="1" latinLnBrk="0" hangingPunct="1">
+              <a:lnSpc>
+                <a:spcPct val="90000"/>
+              </a:lnSpc>
+              <a:spcBef>
+                <a:spcPts val="500"/>
+              </a:spcBef>
+              <a:buFont typeface="Arial"/>
+              <a:buChar char="•"/>
+              <a:defRPr sz="1800" kern="1200">
+                <a:solidFill>
+                  <a:schemeClr val="tx1"/>
+                </a:solidFill>
+                <a:latin typeface="Chalkboard" charset="0"/>
+                <a:ea typeface="Chalkboard" charset="0"/>
+                <a:cs typeface="Chalkboard" charset="0"/>
+              </a:defRPr>
+            </a:lvl5pPr>
+            <a:lvl6pPr marL="2514600" indent="-228600" algn="l" defTabSz="914400" rtl="0" eaLnBrk="1" latinLnBrk="0" hangingPunct="1">
+              <a:lnSpc>
+                <a:spcPct val="90000"/>
+              </a:lnSpc>
+              <a:spcBef>
+                <a:spcPts val="500"/>
+              </a:spcBef>
+              <a:buFont typeface="Arial"/>
+              <a:buChar char="•"/>
+              <a:defRPr sz="1800" kern="1200">
+                <a:solidFill>
+                  <a:schemeClr val="tx1"/>
+                </a:solidFill>
+                <a:latin typeface="+mn-lt"/>
+                <a:ea typeface="+mn-ea"/>
+                <a:cs typeface="+mn-cs"/>
+              </a:defRPr>
+            </a:lvl6pPr>
+            <a:lvl7pPr marL="2971800" indent="-228600" algn="l" defTabSz="914400" rtl="0" eaLnBrk="1" latinLnBrk="0" hangingPunct="1">
+              <a:lnSpc>
+                <a:spcPct val="90000"/>
+              </a:lnSpc>
+              <a:spcBef>
+                <a:spcPts val="500"/>
+              </a:spcBef>
+              <a:buFont typeface="Arial"/>
+              <a:buChar char="•"/>
+              <a:defRPr sz="1800" kern="1200">
+                <a:solidFill>
+                  <a:schemeClr val="tx1"/>
+                </a:solidFill>
+                <a:latin typeface="+mn-lt"/>
+                <a:ea typeface="+mn-ea"/>
+                <a:cs typeface="+mn-cs"/>
+              </a:defRPr>
+            </a:lvl7pPr>
+            <a:lvl8pPr marL="3429000" indent="-228600" algn="l" defTabSz="914400" rtl="0" eaLnBrk="1" latinLnBrk="0" hangingPunct="1">
+              <a:lnSpc>
+                <a:spcPct val="90000"/>
+              </a:lnSpc>
+              <a:spcBef>
+                <a:spcPts val="500"/>
+              </a:spcBef>
+              <a:buFont typeface="Arial"/>
+              <a:buChar char="•"/>
+              <a:defRPr sz="1800" kern="1200">
+                <a:solidFill>
+                  <a:schemeClr val="tx1"/>
+                </a:solidFill>
+                <a:latin typeface="+mn-lt"/>
+                <a:ea typeface="+mn-ea"/>
+                <a:cs typeface="+mn-cs"/>
+              </a:defRPr>
+            </a:lvl8pPr>
+            <a:lvl9pPr marL="3886200" indent="-228600" algn="l" defTabSz="914400" rtl="0" eaLnBrk="1" latinLnBrk="0" hangingPunct="1">
+              <a:lnSpc>
+                <a:spcPct val="90000"/>
+              </a:lnSpc>
+              <a:spcBef>
+                <a:spcPts val="500"/>
+              </a:spcBef>
+              <a:buFont typeface="Arial"/>
+              <a:buChar char="•"/>
+              <a:defRPr sz="1800" kern="1200">
+                <a:solidFill>
+                  <a:schemeClr val="tx1"/>
+                </a:solidFill>
+                <a:latin typeface="+mn-lt"/>
+                <a:ea typeface="+mn-ea"/>
+                <a:cs typeface="+mn-cs"/>
+              </a:defRPr>
+            </a:lvl9pPr>
+          </a:lstStyle>
+          <a:p>
+            <a:pPr marL="0" indent="0">
+              <a:lnSpc>
+                <a:spcPct val="100000"/>
+              </a:lnSpc>
+              <a:buNone/>
+            </a:pPr>
+            <a:endParaRPr lang="en-US" altLang="zh-CN" sz="2000" dirty="0">
+              <a:solidFill>
+                <a:srgbClr val="C00000"/>
+              </a:solidFill>
+            </a:endParaRPr>
+          </a:p>
+        </p:txBody>
+      </p:sp>
+    </p:spTree>
+    <p:extLst>
+      <p:ext uri="{BB962C8B-B14F-4D97-AF65-F5344CB8AC3E}">
+        <p14:creationId xmlns:p14="http://schemas.microsoft.com/office/powerpoint/2010/main" val="331938184"/>
+      </p:ext>
+    </p:extLst>
+  </p:cSld>
+  <p:clrMapOvr>
+    <a:masterClrMapping/>
+  </p:clrMapOvr>
+</p:sld>
+</file>
+
+<file path=ppt/slides/slide4.xml><?xml version="1.0" encoding="utf-8"?>
+<p:sld xmlns:a="http://schemas.openxmlformats.org/drawingml/2006/main" xmlns:r="http://schemas.openxmlformats.org/officeDocument/2006/relationships" xmlns:p="http://schemas.openxmlformats.org/presentationml/2006/main">
+  <p:cSld>
+    <p:spTree>
+      <p:nvGrpSpPr>
+        <p:cNvPr id="1" name=""/>
+        <p:cNvGrpSpPr/>
+        <p:nvPr/>
+      </p:nvGrpSpPr>
+      <p:grpSpPr>
+        <a:xfrm>
+          <a:off x="0" y="0"/>
+          <a:ext cx="0" cy="0"/>
+          <a:chOff x="0" y="0"/>
+          <a:chExt cx="0" cy="0"/>
+        </a:xfrm>
+      </p:grpSpPr>
+      <p:sp>
+        <p:nvSpPr>
+          <p:cNvPr id="6" name="Title 5"/>
+          <p:cNvSpPr>
+            <a:spLocks noGrp="1"/>
+          </p:cNvSpPr>
+          <p:nvPr>
+            <p:ph type="title"/>
+          </p:nvPr>
+        </p:nvSpPr>
+        <p:spPr>
+          <a:xfrm>
+            <a:off x="838200" y="193964"/>
+            <a:ext cx="10515600" cy="1153574"/>
+          </a:xfrm>
+        </p:spPr>
+        <p:txBody>
+          <a:bodyPr>
+            <a:normAutofit/>
+          </a:bodyPr>
+          <a:lstStyle/>
+          <a:p>
+            <a:pPr>
+              <a:lnSpc>
+                <a:spcPct val="150000"/>
+              </a:lnSpc>
+            </a:pPr>
+            <a:r>
+              <a:rPr lang="zh-CN" altLang="en-US" sz="2400" b="1" dirty="0">
+                <a:latin typeface="Microsoft YaHei" panose="020B0503020204020204" pitchFamily="34" charset="-122"/>
+                <a:ea typeface="Microsoft YaHei" panose="020B0503020204020204" pitchFamily="34" charset="-122"/>
+              </a:rPr>
+              <a:t>评估基础</a:t>
+            </a:r>
+            <a:br>
+              <a:rPr lang="en-US" altLang="zh-CN" sz="1800" dirty="0">
+                <a:solidFill>
+                  <a:schemeClr val="bg1">
+                    <a:lumMod val="50000"/>
+                  </a:schemeClr>
+                </a:solidFill>
+              </a:rPr>
+            </a:br>
+            <a:r>
+              <a:rPr lang="en-US" altLang="zh-CN" sz="1800" dirty="0">
+                <a:solidFill>
+                  <a:srgbClr val="0070C0"/>
+                </a:solidFill>
+                <a:latin typeface="Pristina" panose="020F0502020204030204" pitchFamily="34" charset="0"/>
+              </a:rPr>
+              <a:t>Splitting</a:t>
+            </a:r>
+            <a:r>
+              <a:rPr lang="zh-CN" altLang="en-US" sz="1800" dirty="0">
+                <a:solidFill>
+                  <a:srgbClr val="0070C0"/>
+                </a:solidFill>
+                <a:latin typeface="Pristina" panose="020F0502020204030204" pitchFamily="34" charset="0"/>
+              </a:rPr>
+              <a:t> </a:t>
+            </a:r>
+            <a:r>
+              <a:rPr lang="en-US" altLang="zh-CN" sz="1800" dirty="0">
+                <a:solidFill>
+                  <a:srgbClr val="0070C0"/>
+                </a:solidFill>
+                <a:latin typeface="Pristina" panose="020F0502020204030204" pitchFamily="34" charset="0"/>
+              </a:rPr>
+              <a:t>Methods</a:t>
+            </a:r>
+            <a:endParaRPr lang="en-US" sz="1800" dirty="0">
+              <a:solidFill>
+                <a:srgbClr val="0070C0"/>
+              </a:solidFill>
+              <a:latin typeface="Pristina" panose="020F0502020204030204" pitchFamily="34" charset="0"/>
+              <a:cs typeface="Pristina" panose="020F0502020204030204" pitchFamily="34" charset="0"/>
+            </a:endParaRPr>
+          </a:p>
+        </p:txBody>
+      </p:sp>
+      <p:sp>
+        <p:nvSpPr>
+          <p:cNvPr id="7" name="Content Placeholder 6"/>
+          <p:cNvSpPr>
+            <a:spLocks noGrp="1"/>
+          </p:cNvSpPr>
+          <p:nvPr>
+            <p:ph idx="1"/>
+          </p:nvPr>
+        </p:nvSpPr>
+        <p:spPr>
+          <a:xfrm>
+            <a:off x="838200" y="1472665"/>
+            <a:ext cx="10515600" cy="4704298"/>
+          </a:xfrm>
+        </p:spPr>
+        <p:txBody>
+          <a:bodyPr>
+            <a:normAutofit/>
+          </a:bodyPr>
+          <a:lstStyle/>
+          <a:p>
+            <a:pPr>
+              <a:lnSpc>
+                <a:spcPct val="150000"/>
+              </a:lnSpc>
+            </a:pPr>
+            <a:r>
+              <a:rPr lang="zh-CN" altLang="en-US" sz="2000" dirty="0">
+                <a:solidFill>
+                  <a:schemeClr val="bg2">
+                    <a:lumMod val="25000"/>
+                  </a:schemeClr>
+                </a:solidFill>
+              </a:rPr>
+              <a:t>切割方式</a:t>
+            </a:r>
+          </a:p>
+          <a:p>
+            <a:pPr marL="0" indent="0">
+              <a:lnSpc>
+                <a:spcPct val="150000"/>
+              </a:lnSpc>
+              <a:buNone/>
+            </a:pPr>
+            <a:r>
+              <a:rPr lang="zh-CN" altLang="en-US" sz="1800" dirty="0">
+                <a:solidFill>
+                  <a:schemeClr val="bg2">
+                    <a:lumMod val="25000"/>
+                  </a:schemeClr>
+                </a:solidFill>
+              </a:rPr>
+              <a:t>标</a:t>
+            </a:r>
+            <a:endParaRPr lang="en-US" altLang="zh-CN" sz="1800" dirty="0">
+              <a:solidFill>
+                <a:schemeClr val="bg2">
+                  <a:lumMod val="25000"/>
+                </a:schemeClr>
+              </a:solidFill>
+            </a:endParaRPr>
+          </a:p>
+        </p:txBody>
+      </p:sp>
+      <p:sp>
+        <p:nvSpPr>
+          <p:cNvPr id="5" name="Content Placeholder 6">
+            <a:extLst>
+              <a:ext uri="{FF2B5EF4-FFF2-40B4-BE49-F238E27FC236}">
+                <a16:creationId xmlns:a16="http://schemas.microsoft.com/office/drawing/2014/main" id="{5B912217-D3EA-7142-89E0-BA2CB0D6F175}"/>
+              </a:ext>
+            </a:extLst>
+          </p:cNvPr>
+          <p:cNvSpPr txBox="1">
+            <a:spLocks/>
+          </p:cNvSpPr>
+          <p:nvPr/>
+        </p:nvSpPr>
+        <p:spPr>
+          <a:xfrm>
+            <a:off x="6843386" y="2956141"/>
+            <a:ext cx="4662814" cy="1728593"/>
+          </a:xfrm>
+          <a:prstGeom prst="rect">
+            <a:avLst/>
+          </a:prstGeom>
+        </p:spPr>
+        <p:txBody>
+          <a:bodyPr vert="horz" lIns="91440" tIns="45720" rIns="91440" bIns="45720" rtlCol="0">
+            <a:normAutofit/>
+          </a:bodyPr>
+          <a:lstStyle>
+            <a:lvl1pPr marL="228600" indent="-228600" algn="l" defTabSz="914400" rtl="0" eaLnBrk="1" latinLnBrk="0" hangingPunct="1">
+              <a:lnSpc>
+                <a:spcPct val="90000"/>
+              </a:lnSpc>
+              <a:spcBef>
+                <a:spcPts val="1000"/>
+              </a:spcBef>
+              <a:buFont typeface="Arial"/>
+              <a:buChar char="•"/>
+              <a:defRPr sz="2800" kern="1200">
+                <a:solidFill>
+                  <a:schemeClr val="tx1"/>
+                </a:solidFill>
+                <a:latin typeface="Chalkboard" charset="0"/>
+                <a:ea typeface="Chalkboard" charset="0"/>
+                <a:cs typeface="Chalkboard" charset="0"/>
+              </a:defRPr>
+            </a:lvl1pPr>
+            <a:lvl2pPr marL="685800" indent="-228600" algn="l" defTabSz="914400" rtl="0" eaLnBrk="1" latinLnBrk="0" hangingPunct="1">
+              <a:lnSpc>
+                <a:spcPct val="90000"/>
+              </a:lnSpc>
+              <a:spcBef>
+                <a:spcPts val="500"/>
+              </a:spcBef>
+              <a:buFont typeface="Arial"/>
+              <a:buChar char="•"/>
+              <a:defRPr sz="2400" kern="1200">
+                <a:solidFill>
+                  <a:schemeClr val="tx1"/>
+                </a:solidFill>
+                <a:latin typeface="Chalkboard" charset="0"/>
+                <a:ea typeface="Chalkboard" charset="0"/>
+                <a:cs typeface="Chalkboard" charset="0"/>
+              </a:defRPr>
+            </a:lvl2pPr>
+            <a:lvl3pPr marL="1143000" indent="-228600" algn="l" defTabSz="914400" rtl="0" eaLnBrk="1" latinLnBrk="0" hangingPunct="1">
+              <a:lnSpc>
+                <a:spcPct val="90000"/>
+              </a:lnSpc>
+              <a:spcBef>
+                <a:spcPts val="500"/>
+              </a:spcBef>
+              <a:buFont typeface="Arial"/>
+              <a:buChar char="•"/>
+              <a:defRPr sz="2000" kern="1200">
+                <a:solidFill>
+                  <a:schemeClr val="tx1"/>
+                </a:solidFill>
+                <a:latin typeface="Chalkboard" charset="0"/>
+                <a:ea typeface="Chalkboard" charset="0"/>
+                <a:cs typeface="Chalkboard" charset="0"/>
+              </a:defRPr>
+            </a:lvl3pPr>
+            <a:lvl4pPr marL="1600200" indent="-228600" algn="l" defTabSz="914400" rtl="0" eaLnBrk="1" latinLnBrk="0" hangingPunct="1">
+              <a:lnSpc>
+                <a:spcPct val="90000"/>
+              </a:lnSpc>
+              <a:spcBef>
+                <a:spcPts val="500"/>
+              </a:spcBef>
+              <a:buFont typeface="Arial"/>
+              <a:buChar char="•"/>
+              <a:defRPr sz="1800" kern="1200">
+                <a:solidFill>
+                  <a:schemeClr val="tx1"/>
+                </a:solidFill>
+                <a:latin typeface="Chalkboard" charset="0"/>
+                <a:ea typeface="Chalkboard" charset="0"/>
+                <a:cs typeface="Chalkboard" charset="0"/>
+              </a:defRPr>
+            </a:lvl4pPr>
+            <a:lvl5pPr marL="2057400" indent="-228600" algn="l" defTabSz="914400" rtl="0" eaLnBrk="1" latinLnBrk="0" hangingPunct="1">
+              <a:lnSpc>
+                <a:spcPct val="90000"/>
+              </a:lnSpc>
+              <a:spcBef>
+                <a:spcPts val="500"/>
+              </a:spcBef>
+              <a:buFont typeface="Arial"/>
+              <a:buChar char="•"/>
+              <a:defRPr sz="1800" kern="1200">
+                <a:solidFill>
+                  <a:schemeClr val="tx1"/>
+                </a:solidFill>
+                <a:latin typeface="Chalkboard" charset="0"/>
+                <a:ea typeface="Chalkboard" charset="0"/>
+                <a:cs typeface="Chalkboard" charset="0"/>
+              </a:defRPr>
+            </a:lvl5pPr>
+            <a:lvl6pPr marL="2514600" indent="-228600" algn="l" defTabSz="914400" rtl="0" eaLnBrk="1" latinLnBrk="0" hangingPunct="1">
+              <a:lnSpc>
+                <a:spcPct val="90000"/>
+              </a:lnSpc>
+              <a:spcBef>
+                <a:spcPts val="500"/>
+              </a:spcBef>
+              <a:buFont typeface="Arial"/>
+              <a:buChar char="•"/>
+              <a:defRPr sz="1800" kern="1200">
+                <a:solidFill>
+                  <a:schemeClr val="tx1"/>
+                </a:solidFill>
+                <a:latin typeface="+mn-lt"/>
+                <a:ea typeface="+mn-ea"/>
+                <a:cs typeface="+mn-cs"/>
+              </a:defRPr>
+            </a:lvl6pPr>
+            <a:lvl7pPr marL="2971800" indent="-228600" algn="l" defTabSz="914400" rtl="0" eaLnBrk="1" latinLnBrk="0" hangingPunct="1">
+              <a:lnSpc>
+                <a:spcPct val="90000"/>
+              </a:lnSpc>
+              <a:spcBef>
+                <a:spcPts val="500"/>
+              </a:spcBef>
+              <a:buFont typeface="Arial"/>
+              <a:buChar char="•"/>
+              <a:defRPr sz="1800" kern="1200">
+                <a:solidFill>
+                  <a:schemeClr val="tx1"/>
+                </a:solidFill>
+                <a:latin typeface="+mn-lt"/>
+                <a:ea typeface="+mn-ea"/>
+                <a:cs typeface="+mn-cs"/>
+              </a:defRPr>
+            </a:lvl7pPr>
+            <a:lvl8pPr marL="3429000" indent="-228600" algn="l" defTabSz="914400" rtl="0" eaLnBrk="1" latinLnBrk="0" hangingPunct="1">
+              <a:lnSpc>
+                <a:spcPct val="90000"/>
+              </a:lnSpc>
+              <a:spcBef>
+                <a:spcPts val="500"/>
+              </a:spcBef>
+              <a:buFont typeface="Arial"/>
+              <a:buChar char="•"/>
+              <a:defRPr sz="1800" kern="1200">
+                <a:solidFill>
+                  <a:schemeClr val="tx1"/>
+                </a:solidFill>
+                <a:latin typeface="+mn-lt"/>
+                <a:ea typeface="+mn-ea"/>
+                <a:cs typeface="+mn-cs"/>
+              </a:defRPr>
+            </a:lvl8pPr>
+            <a:lvl9pPr marL="3886200" indent="-228600" algn="l" defTabSz="914400" rtl="0" eaLnBrk="1" latinLnBrk="0" hangingPunct="1">
+              <a:lnSpc>
+                <a:spcPct val="90000"/>
+              </a:lnSpc>
+              <a:spcBef>
+                <a:spcPts val="500"/>
+              </a:spcBef>
+              <a:buFont typeface="Arial"/>
+              <a:buChar char="•"/>
+              <a:defRPr sz="1800" kern="1200">
+                <a:solidFill>
+                  <a:schemeClr val="tx1"/>
+                </a:solidFill>
+                <a:latin typeface="+mn-lt"/>
+                <a:ea typeface="+mn-ea"/>
+                <a:cs typeface="+mn-cs"/>
+              </a:defRPr>
+            </a:lvl9pPr>
+          </a:lstStyle>
+          <a:p>
+            <a:pPr marL="0" indent="0">
+              <a:lnSpc>
+                <a:spcPct val="100000"/>
+              </a:lnSpc>
+              <a:buNone/>
+            </a:pPr>
+            <a:endParaRPr lang="en-US" altLang="zh-CN" sz="2000" dirty="0">
+              <a:solidFill>
+                <a:srgbClr val="C00000"/>
+              </a:solidFill>
+            </a:endParaRPr>
+          </a:p>
+        </p:txBody>
+      </p:sp>
+    </p:spTree>
+    <p:extLst>
+      <p:ext uri="{BB962C8B-B14F-4D97-AF65-F5344CB8AC3E}">
+        <p14:creationId xmlns:p14="http://schemas.microsoft.com/office/powerpoint/2010/main" val="4019119488"/>
+      </p:ext>
+    </p:extLst>
+  </p:cSld>
+  <p:clrMapOvr>
+    <a:masterClrMapping/>
+  </p:clrMapOvr>
+</p:sld>
+</file>
+
+<file path=ppt/slides/slide5.xml><?xml version="1.0" encoding="utf-8"?>
+<p:sld xmlns:a="http://schemas.openxmlformats.org/drawingml/2006/main" xmlns:r="http://schemas.openxmlformats.org/officeDocument/2006/relationships" xmlns:p="http://schemas.openxmlformats.org/presentationml/2006/main">
+  <p:cSld>
+    <p:spTree>
+      <p:nvGrpSpPr>
+        <p:cNvPr id="1" name=""/>
+        <p:cNvGrpSpPr/>
+        <p:nvPr/>
+      </p:nvGrpSpPr>
+      <p:grpSpPr>
+        <a:xfrm>
+          <a:off x="0" y="0"/>
+          <a:ext cx="0" cy="0"/>
+          <a:chOff x="0" y="0"/>
+          <a:chExt cx="0" cy="0"/>
+        </a:xfrm>
+      </p:grpSpPr>
+      <p:sp>
+        <p:nvSpPr>
+          <p:cNvPr id="6" name="Title 5"/>
+          <p:cNvSpPr>
+            <a:spLocks noGrp="1"/>
+          </p:cNvSpPr>
+          <p:nvPr>
+            <p:ph type="title"/>
+          </p:nvPr>
+        </p:nvSpPr>
+        <p:spPr>
+          <a:xfrm>
+            <a:off x="838200" y="193964"/>
+            <a:ext cx="10515600" cy="1153574"/>
+          </a:xfrm>
+        </p:spPr>
+        <p:txBody>
+          <a:bodyPr>
+            <a:normAutofit/>
+          </a:bodyPr>
+          <a:lstStyle/>
+          <a:p>
+            <a:pPr>
+              <a:lnSpc>
+                <a:spcPct val="150000"/>
+              </a:lnSpc>
+            </a:pPr>
+            <a:r>
+              <a:rPr lang="zh-CN" altLang="en-US" sz="2400" b="1" dirty="0">
+                <a:latin typeface="Microsoft YaHei" panose="020B0503020204020204" pitchFamily="34" charset="-122"/>
+                <a:ea typeface="Microsoft YaHei" panose="020B0503020204020204" pitchFamily="34" charset="-122"/>
+              </a:rPr>
+              <a:t>评估基础</a:t>
+            </a:r>
+            <a:br>
+              <a:rPr lang="en-US" altLang="zh-CN" sz="1800" dirty="0">
+                <a:solidFill>
+                  <a:schemeClr val="bg1">
+                    <a:lumMod val="50000"/>
+                  </a:schemeClr>
+                </a:solidFill>
+              </a:rPr>
+            </a:br>
+            <a:r>
+              <a:rPr lang="en-US" altLang="zh-CN" sz="1800" dirty="0">
+                <a:solidFill>
+                  <a:srgbClr val="0070C0"/>
+                </a:solidFill>
+                <a:latin typeface="Pristina" panose="020F0502020204030204" pitchFamily="34" charset="0"/>
+              </a:rPr>
+              <a:t>DQ</a:t>
+            </a:r>
+            <a:r>
+              <a:rPr lang="zh-CN" altLang="en-US" sz="1800" dirty="0">
+                <a:solidFill>
+                  <a:srgbClr val="0070C0"/>
+                </a:solidFill>
+                <a:latin typeface="Pristina" panose="020F0502020204030204" pitchFamily="34" charset="0"/>
+              </a:rPr>
+              <a:t> </a:t>
+            </a:r>
+            <a:r>
+              <a:rPr lang="en-US" altLang="zh-CN" sz="1800" dirty="0">
+                <a:solidFill>
+                  <a:srgbClr val="0070C0"/>
+                </a:solidFill>
+                <a:latin typeface="Pristina" panose="020F0502020204030204" pitchFamily="34" charset="0"/>
+              </a:rPr>
+              <a:t>Report</a:t>
+            </a:r>
+            <a:endParaRPr lang="en-US" sz="1800" dirty="0">
+              <a:solidFill>
+                <a:srgbClr val="0070C0"/>
+              </a:solidFill>
+              <a:latin typeface="Pristina" panose="020F0502020204030204" pitchFamily="34" charset="0"/>
+              <a:cs typeface="Pristina" panose="020F0502020204030204" pitchFamily="34" charset="0"/>
+            </a:endParaRPr>
+          </a:p>
+        </p:txBody>
+      </p:sp>
+      <p:sp>
+        <p:nvSpPr>
+          <p:cNvPr id="7" name="Content Placeholder 6"/>
+          <p:cNvSpPr>
+            <a:spLocks noGrp="1"/>
+          </p:cNvSpPr>
+          <p:nvPr>
+            <p:ph idx="1"/>
+          </p:nvPr>
+        </p:nvSpPr>
+        <p:spPr>
+          <a:xfrm>
+            <a:off x="838200" y="1472665"/>
+            <a:ext cx="10515600" cy="4704298"/>
+          </a:xfrm>
+        </p:spPr>
+        <p:txBody>
+          <a:bodyPr>
+            <a:normAutofit/>
+          </a:bodyPr>
+          <a:lstStyle/>
+          <a:p>
+            <a:pPr>
+              <a:lnSpc>
+                <a:spcPct val="150000"/>
+              </a:lnSpc>
+            </a:pPr>
+            <a:r>
+              <a:rPr lang="zh-CN" altLang="en-US" sz="2000" dirty="0">
+                <a:solidFill>
+                  <a:schemeClr val="bg2">
+                    <a:lumMod val="25000"/>
+                  </a:schemeClr>
+                </a:solidFill>
+              </a:rPr>
+              <a:t>数据质量报告</a:t>
+            </a:r>
+          </a:p>
+          <a:p>
+            <a:pPr marL="0" indent="0">
+              <a:lnSpc>
+                <a:spcPct val="150000"/>
+              </a:lnSpc>
+              <a:buNone/>
+            </a:pPr>
+            <a:r>
+              <a:rPr lang="zh-CN" altLang="en-US" sz="1800" dirty="0">
+                <a:solidFill>
+                  <a:schemeClr val="bg2">
+                    <a:lumMod val="25000"/>
+                  </a:schemeClr>
+                </a:solidFill>
+              </a:rPr>
+              <a:t>标</a:t>
+            </a:r>
+            <a:endParaRPr lang="en-US" altLang="zh-CN" sz="1800" dirty="0">
+              <a:solidFill>
+                <a:schemeClr val="bg2">
+                  <a:lumMod val="25000"/>
+                </a:schemeClr>
+              </a:solidFill>
+            </a:endParaRPr>
+          </a:p>
+        </p:txBody>
+      </p:sp>
+      <p:sp>
+        <p:nvSpPr>
+          <p:cNvPr id="5" name="Content Placeholder 6">
+            <a:extLst>
+              <a:ext uri="{FF2B5EF4-FFF2-40B4-BE49-F238E27FC236}">
+                <a16:creationId xmlns:a16="http://schemas.microsoft.com/office/drawing/2014/main" id="{5B912217-D3EA-7142-89E0-BA2CB0D6F175}"/>
+              </a:ext>
+            </a:extLst>
+          </p:cNvPr>
+          <p:cNvSpPr txBox="1">
+            <a:spLocks/>
+          </p:cNvSpPr>
+          <p:nvPr/>
+        </p:nvSpPr>
+        <p:spPr>
+          <a:xfrm>
+            <a:off x="6843386" y="2956141"/>
+            <a:ext cx="4662814" cy="1728593"/>
+          </a:xfrm>
+          <a:prstGeom prst="rect">
+            <a:avLst/>
+          </a:prstGeom>
+        </p:spPr>
+        <p:txBody>
+          <a:bodyPr vert="horz" lIns="91440" tIns="45720" rIns="91440" bIns="45720" rtlCol="0">
+            <a:normAutofit/>
+          </a:bodyPr>
+          <a:lstStyle>
+            <a:lvl1pPr marL="228600" indent="-228600" algn="l" defTabSz="914400" rtl="0" eaLnBrk="1" latinLnBrk="0" hangingPunct="1">
+              <a:lnSpc>
+                <a:spcPct val="90000"/>
+              </a:lnSpc>
+              <a:spcBef>
+                <a:spcPts val="1000"/>
+              </a:spcBef>
+              <a:buFont typeface="Arial"/>
+              <a:buChar char="•"/>
+              <a:defRPr sz="2800" kern="1200">
+                <a:solidFill>
+                  <a:schemeClr val="tx1"/>
+                </a:solidFill>
+                <a:latin typeface="Chalkboard" charset="0"/>
+                <a:ea typeface="Chalkboard" charset="0"/>
+                <a:cs typeface="Chalkboard" charset="0"/>
+              </a:defRPr>
+            </a:lvl1pPr>
+            <a:lvl2pPr marL="685800" indent="-228600" algn="l" defTabSz="914400" rtl="0" eaLnBrk="1" latinLnBrk="0" hangingPunct="1">
+              <a:lnSpc>
+                <a:spcPct val="90000"/>
+              </a:lnSpc>
+              <a:spcBef>
+                <a:spcPts val="500"/>
+              </a:spcBef>
+              <a:buFont typeface="Arial"/>
+              <a:buChar char="•"/>
+              <a:defRPr sz="2400" kern="1200">
+                <a:solidFill>
+                  <a:schemeClr val="tx1"/>
+                </a:solidFill>
+                <a:latin typeface="Chalkboard" charset="0"/>
+                <a:ea typeface="Chalkboard" charset="0"/>
+                <a:cs typeface="Chalkboard" charset="0"/>
+              </a:defRPr>
+            </a:lvl2pPr>
+            <a:lvl3pPr marL="1143000" indent="-228600" algn="l" defTabSz="914400" rtl="0" eaLnBrk="1" latinLnBrk="0" hangingPunct="1">
+              <a:lnSpc>
+                <a:spcPct val="90000"/>
+              </a:lnSpc>
+              <a:spcBef>
+                <a:spcPts val="500"/>
+              </a:spcBef>
+              <a:buFont typeface="Arial"/>
+              <a:buChar char="•"/>
+              <a:defRPr sz="2000" kern="1200">
+                <a:solidFill>
+                  <a:schemeClr val="tx1"/>
+                </a:solidFill>
+                <a:latin typeface="Chalkboard" charset="0"/>
+                <a:ea typeface="Chalkboard" charset="0"/>
+                <a:cs typeface="Chalkboard" charset="0"/>
+              </a:defRPr>
+            </a:lvl3pPr>
+            <a:lvl4pPr marL="1600200" indent="-228600" algn="l" defTabSz="914400" rtl="0" eaLnBrk="1" latinLnBrk="0" hangingPunct="1">
+              <a:lnSpc>
+                <a:spcPct val="90000"/>
+              </a:lnSpc>
+              <a:spcBef>
+                <a:spcPts val="500"/>
+              </a:spcBef>
+              <a:buFont typeface="Arial"/>
+              <a:buChar char="•"/>
+              <a:defRPr sz="1800" kern="1200">
+                <a:solidFill>
+                  <a:schemeClr val="tx1"/>
+                </a:solidFill>
+                <a:latin typeface="Chalkboard" charset="0"/>
+                <a:ea typeface="Chalkboard" charset="0"/>
+                <a:cs typeface="Chalkboard" charset="0"/>
+              </a:defRPr>
+            </a:lvl4pPr>
+            <a:lvl5pPr marL="2057400" indent="-228600" algn="l" defTabSz="914400" rtl="0" eaLnBrk="1" latinLnBrk="0" hangingPunct="1">
+              <a:lnSpc>
+                <a:spcPct val="90000"/>
+              </a:lnSpc>
+              <a:spcBef>
+                <a:spcPts val="500"/>
+              </a:spcBef>
+              <a:buFont typeface="Arial"/>
+              <a:buChar char="•"/>
+              <a:defRPr sz="1800" kern="1200">
+                <a:solidFill>
+                  <a:schemeClr val="tx1"/>
+                </a:solidFill>
+                <a:latin typeface="Chalkboard" charset="0"/>
+                <a:ea typeface="Chalkboard" charset="0"/>
+                <a:cs typeface="Chalkboard" charset="0"/>
+              </a:defRPr>
+            </a:lvl5pPr>
+            <a:lvl6pPr marL="2514600" indent="-228600" algn="l" defTabSz="914400" rtl="0" eaLnBrk="1" latinLnBrk="0" hangingPunct="1">
+              <a:lnSpc>
+                <a:spcPct val="90000"/>
+              </a:lnSpc>
+              <a:spcBef>
+                <a:spcPts val="500"/>
+              </a:spcBef>
+              <a:buFont typeface="Arial"/>
+              <a:buChar char="•"/>
+              <a:defRPr sz="1800" kern="1200">
+                <a:solidFill>
+                  <a:schemeClr val="tx1"/>
+                </a:solidFill>
+                <a:latin typeface="+mn-lt"/>
+                <a:ea typeface="+mn-ea"/>
+                <a:cs typeface="+mn-cs"/>
+              </a:defRPr>
+            </a:lvl6pPr>
+            <a:lvl7pPr marL="2971800" indent="-228600" algn="l" defTabSz="914400" rtl="0" eaLnBrk="1" latinLnBrk="0" hangingPunct="1">
+              <a:lnSpc>
+                <a:spcPct val="90000"/>
+              </a:lnSpc>
+              <a:spcBef>
+                <a:spcPts val="500"/>
+              </a:spcBef>
+              <a:buFont typeface="Arial"/>
+              <a:buChar char="•"/>
+              <a:defRPr sz="1800" kern="1200">
+                <a:solidFill>
+                  <a:schemeClr val="tx1"/>
+                </a:solidFill>
+                <a:latin typeface="+mn-lt"/>
+                <a:ea typeface="+mn-ea"/>
+                <a:cs typeface="+mn-cs"/>
+              </a:defRPr>
+            </a:lvl7pPr>
+            <a:lvl8pPr marL="3429000" indent="-228600" algn="l" defTabSz="914400" rtl="0" eaLnBrk="1" latinLnBrk="0" hangingPunct="1">
+              <a:lnSpc>
+                <a:spcPct val="90000"/>
+              </a:lnSpc>
+              <a:spcBef>
+                <a:spcPts val="500"/>
+              </a:spcBef>
+              <a:buFont typeface="Arial"/>
+              <a:buChar char="•"/>
+              <a:defRPr sz="1800" kern="1200">
+                <a:solidFill>
+                  <a:schemeClr val="tx1"/>
+                </a:solidFill>
+                <a:latin typeface="+mn-lt"/>
+                <a:ea typeface="+mn-ea"/>
+                <a:cs typeface="+mn-cs"/>
+              </a:defRPr>
+            </a:lvl8pPr>
+            <a:lvl9pPr marL="3886200" indent="-228600" algn="l" defTabSz="914400" rtl="0" eaLnBrk="1" latinLnBrk="0" hangingPunct="1">
+              <a:lnSpc>
+                <a:spcPct val="90000"/>
+              </a:lnSpc>
+              <a:spcBef>
+                <a:spcPts val="500"/>
+              </a:spcBef>
+              <a:buFont typeface="Arial"/>
+              <a:buChar char="•"/>
+              <a:defRPr sz="1800" kern="1200">
+                <a:solidFill>
+                  <a:schemeClr val="tx1"/>
+                </a:solidFill>
+                <a:latin typeface="+mn-lt"/>
+                <a:ea typeface="+mn-ea"/>
+                <a:cs typeface="+mn-cs"/>
+              </a:defRPr>
+            </a:lvl9pPr>
+          </a:lstStyle>
+          <a:p>
+            <a:pPr marL="0" indent="0">
+              <a:lnSpc>
+                <a:spcPct val="100000"/>
+              </a:lnSpc>
+              <a:buNone/>
+            </a:pPr>
+            <a:endParaRPr lang="en-US" altLang="zh-CN" sz="2000" dirty="0">
+              <a:solidFill>
+                <a:srgbClr val="C00000"/>
+              </a:solidFill>
+            </a:endParaRPr>
+          </a:p>
+        </p:txBody>
+      </p:sp>
+    </p:spTree>
+    <p:extLst>
+      <p:ext uri="{BB962C8B-B14F-4D97-AF65-F5344CB8AC3E}">
+        <p14:creationId xmlns:p14="http://schemas.microsoft.com/office/powerpoint/2010/main" val="1390161194"/>
+      </p:ext>
+    </p:extLst>
+  </p:cSld>
+  <p:clrMapOvr>
+    <a:masterClrMapping/>
+  </p:clrMapOvr>
+</p:sld>
+</file>
+
+<file path=ppt/slides/slide6.xml><?xml version="1.0" encoding="utf-8"?>
+<p:sld xmlns:a="http://schemas.openxmlformats.org/drawingml/2006/main" xmlns:r="http://schemas.openxmlformats.org/officeDocument/2006/relationships" xmlns:p="http://schemas.openxmlformats.org/presentationml/2006/main">
+  <p:cSld>
+    <p:spTree>
+      <p:nvGrpSpPr>
+        <p:cNvPr id="1" name=""/>
+        <p:cNvGrpSpPr/>
+        <p:nvPr/>
+      </p:nvGrpSpPr>
+      <p:grpSpPr>
+        <a:xfrm>
+          <a:off x="0" y="0"/>
+          <a:ext cx="0" cy="0"/>
+          <a:chOff x="0" y="0"/>
+          <a:chExt cx="0" cy="0"/>
+        </a:xfrm>
+      </p:grpSpPr>
+      <p:sp>
+        <p:nvSpPr>
+          <p:cNvPr id="6" name="Title 5"/>
+          <p:cNvSpPr>
+            <a:spLocks noGrp="1"/>
+          </p:cNvSpPr>
+          <p:nvPr>
+            <p:ph type="title"/>
+          </p:nvPr>
+        </p:nvSpPr>
+        <p:spPr>
+          <a:xfrm>
+            <a:off x="838200" y="193964"/>
+            <a:ext cx="10515600" cy="1153574"/>
+          </a:xfrm>
+        </p:spPr>
+        <p:txBody>
+          <a:bodyPr>
+            <a:normAutofit/>
+          </a:bodyPr>
+          <a:lstStyle/>
+          <a:p>
+            <a:pPr>
+              <a:lnSpc>
+                <a:spcPct val="150000"/>
+              </a:lnSpc>
+            </a:pPr>
+            <a:r>
+              <a:rPr lang="zh-CN" altLang="en-US" sz="2400" b="1" dirty="0">
+                <a:latin typeface="Microsoft YaHei" panose="020B0503020204020204" pitchFamily="34" charset="-122"/>
+                <a:ea typeface="Microsoft YaHei" panose="020B0503020204020204" pitchFamily="34" charset="-122"/>
+              </a:rPr>
+              <a:t>评估基础</a:t>
+            </a:r>
+            <a:br>
+              <a:rPr lang="en-US" altLang="zh-CN" sz="1800" dirty="0">
+                <a:solidFill>
+                  <a:schemeClr val="bg1">
+                    <a:lumMod val="50000"/>
+                  </a:schemeClr>
+                </a:solidFill>
+              </a:rPr>
+            </a:br>
+            <a:r>
+              <a:rPr lang="en-US" altLang="zh-CN" sz="1800" dirty="0">
+                <a:solidFill>
+                  <a:srgbClr val="0070C0"/>
+                </a:solidFill>
+                <a:latin typeface="Pristina" panose="020F0502020204030204" pitchFamily="34" charset="0"/>
+              </a:rPr>
+              <a:t>Cross</a:t>
+            </a:r>
+            <a:r>
+              <a:rPr lang="zh-CN" altLang="en-US" sz="1800" dirty="0">
+                <a:solidFill>
+                  <a:srgbClr val="0070C0"/>
+                </a:solidFill>
+                <a:latin typeface="Pristina" panose="020F0502020204030204" pitchFamily="34" charset="0"/>
+              </a:rPr>
+              <a:t> </a:t>
+            </a:r>
+            <a:r>
+              <a:rPr lang="en-US" altLang="zh-CN" sz="1800" dirty="0">
+                <a:solidFill>
+                  <a:srgbClr val="0070C0"/>
+                </a:solidFill>
+                <a:latin typeface="Pristina" panose="020F0502020204030204" pitchFamily="34" charset="0"/>
+              </a:rPr>
+              <a:t>Validation</a:t>
+            </a:r>
+            <a:endParaRPr lang="en-US" sz="1800" dirty="0">
+              <a:solidFill>
+                <a:srgbClr val="0070C0"/>
+              </a:solidFill>
+              <a:latin typeface="Pristina" panose="020F0502020204030204" pitchFamily="34" charset="0"/>
+              <a:cs typeface="Pristina" panose="020F0502020204030204" pitchFamily="34" charset="0"/>
+            </a:endParaRPr>
+          </a:p>
+        </p:txBody>
+      </p:sp>
+      <p:sp>
+        <p:nvSpPr>
+          <p:cNvPr id="7" name="Content Placeholder 6"/>
+          <p:cNvSpPr>
+            <a:spLocks noGrp="1"/>
+          </p:cNvSpPr>
+          <p:nvPr>
+            <p:ph idx="1"/>
+          </p:nvPr>
+        </p:nvSpPr>
+        <p:spPr>
+          <a:xfrm>
+            <a:off x="838200" y="1472665"/>
+            <a:ext cx="10515600" cy="4704298"/>
+          </a:xfrm>
+        </p:spPr>
+        <p:txBody>
+          <a:bodyPr>
+            <a:normAutofit/>
+          </a:bodyPr>
+          <a:lstStyle/>
+          <a:p>
+            <a:pPr>
+              <a:lnSpc>
+                <a:spcPct val="150000"/>
+              </a:lnSpc>
+            </a:pPr>
+            <a:r>
+              <a:rPr lang="zh-CN" altLang="en-US" sz="2000" dirty="0">
+                <a:solidFill>
+                  <a:schemeClr val="bg2">
+                    <a:lumMod val="25000"/>
+                  </a:schemeClr>
+                </a:solidFill>
+              </a:rPr>
+              <a:t>交叉验证</a:t>
+            </a:r>
+          </a:p>
+          <a:p>
+            <a:pPr marL="0" indent="0">
+              <a:lnSpc>
+                <a:spcPct val="150000"/>
+              </a:lnSpc>
+              <a:buNone/>
+            </a:pPr>
+            <a:r>
+              <a:rPr lang="zh-CN" altLang="en-US" sz="1800" dirty="0">
+                <a:solidFill>
+                  <a:schemeClr val="bg2">
+                    <a:lumMod val="25000"/>
+                  </a:schemeClr>
+                </a:solidFill>
+              </a:rPr>
+              <a:t>标</a:t>
+            </a:r>
+            <a:endParaRPr lang="en-US" altLang="zh-CN" sz="1800" dirty="0">
+              <a:solidFill>
+                <a:schemeClr val="bg2">
+                  <a:lumMod val="25000"/>
+                </a:schemeClr>
+              </a:solidFill>
+            </a:endParaRPr>
+          </a:p>
+        </p:txBody>
+      </p:sp>
+      <p:sp>
+        <p:nvSpPr>
+          <p:cNvPr id="5" name="Content Placeholder 6">
+            <a:extLst>
+              <a:ext uri="{FF2B5EF4-FFF2-40B4-BE49-F238E27FC236}">
+                <a16:creationId xmlns:a16="http://schemas.microsoft.com/office/drawing/2014/main" id="{5B912217-D3EA-7142-89E0-BA2CB0D6F175}"/>
+              </a:ext>
+            </a:extLst>
+          </p:cNvPr>
+          <p:cNvSpPr txBox="1">
+            <a:spLocks/>
+          </p:cNvSpPr>
+          <p:nvPr/>
+        </p:nvSpPr>
+        <p:spPr>
+          <a:xfrm>
+            <a:off x="6843386" y="2956141"/>
+            <a:ext cx="4662814" cy="1728593"/>
+          </a:xfrm>
+          <a:prstGeom prst="rect">
+            <a:avLst/>
+          </a:prstGeom>
+        </p:spPr>
+        <p:txBody>
+          <a:bodyPr vert="horz" lIns="91440" tIns="45720" rIns="91440" bIns="45720" rtlCol="0">
+            <a:normAutofit/>
+          </a:bodyPr>
+          <a:lstStyle>
+            <a:lvl1pPr marL="228600" indent="-228600" algn="l" defTabSz="914400" rtl="0" eaLnBrk="1" latinLnBrk="0" hangingPunct="1">
+              <a:lnSpc>
+                <a:spcPct val="90000"/>
+              </a:lnSpc>
+              <a:spcBef>
+                <a:spcPts val="1000"/>
+              </a:spcBef>
+              <a:buFont typeface="Arial"/>
+              <a:buChar char="•"/>
+              <a:defRPr sz="2800" kern="1200">
+                <a:solidFill>
+                  <a:schemeClr val="tx1"/>
+                </a:solidFill>
+                <a:latin typeface="Chalkboard" charset="0"/>
+                <a:ea typeface="Chalkboard" charset="0"/>
+                <a:cs typeface="Chalkboard" charset="0"/>
+              </a:defRPr>
+            </a:lvl1pPr>
+            <a:lvl2pPr marL="685800" indent="-228600" algn="l" defTabSz="914400" rtl="0" eaLnBrk="1" latinLnBrk="0" hangingPunct="1">
+              <a:lnSpc>
+                <a:spcPct val="90000"/>
+              </a:lnSpc>
+              <a:spcBef>
+                <a:spcPts val="500"/>
+              </a:spcBef>
+              <a:buFont typeface="Arial"/>
+              <a:buChar char="•"/>
+              <a:defRPr sz="2400" kern="1200">
+                <a:solidFill>
+                  <a:schemeClr val="tx1"/>
+                </a:solidFill>
+                <a:latin typeface="Chalkboard" charset="0"/>
+                <a:ea typeface="Chalkboard" charset="0"/>
+                <a:cs typeface="Chalkboard" charset="0"/>
+              </a:defRPr>
+            </a:lvl2pPr>
+            <a:lvl3pPr marL="1143000" indent="-228600" algn="l" defTabSz="914400" rtl="0" eaLnBrk="1" latinLnBrk="0" hangingPunct="1">
+              <a:lnSpc>
+                <a:spcPct val="90000"/>
+              </a:lnSpc>
+              <a:spcBef>
+                <a:spcPts val="500"/>
+              </a:spcBef>
+              <a:buFont typeface="Arial"/>
+              <a:buChar char="•"/>
+              <a:defRPr sz="2000" kern="1200">
+                <a:solidFill>
+                  <a:schemeClr val="tx1"/>
+                </a:solidFill>
+                <a:latin typeface="Chalkboard" charset="0"/>
+                <a:ea typeface="Chalkboard" charset="0"/>
+                <a:cs typeface="Chalkboard" charset="0"/>
+              </a:defRPr>
+            </a:lvl3pPr>
+            <a:lvl4pPr marL="1600200" indent="-228600" algn="l" defTabSz="914400" rtl="0" eaLnBrk="1" latinLnBrk="0" hangingPunct="1">
+              <a:lnSpc>
+                <a:spcPct val="90000"/>
+              </a:lnSpc>
+              <a:spcBef>
+                <a:spcPts val="500"/>
+              </a:spcBef>
+              <a:buFont typeface="Arial"/>
+              <a:buChar char="•"/>
+              <a:defRPr sz="1800" kern="1200">
+                <a:solidFill>
+                  <a:schemeClr val="tx1"/>
+                </a:solidFill>
+                <a:latin typeface="Chalkboard" charset="0"/>
+                <a:ea typeface="Chalkboard" charset="0"/>
+                <a:cs typeface="Chalkboard" charset="0"/>
+              </a:defRPr>
+            </a:lvl4pPr>
+            <a:lvl5pPr marL="2057400" indent="-228600" algn="l" defTabSz="914400" rtl="0" eaLnBrk="1" latinLnBrk="0" hangingPunct="1">
+              <a:lnSpc>
+                <a:spcPct val="90000"/>
+              </a:lnSpc>
+              <a:spcBef>
+                <a:spcPts val="500"/>
+              </a:spcBef>
+              <a:buFont typeface="Arial"/>
+              <a:buChar char="•"/>
+              <a:defRPr sz="1800" kern="1200">
+                <a:solidFill>
+                  <a:schemeClr val="tx1"/>
+                </a:solidFill>
+                <a:latin typeface="Chalkboard" charset="0"/>
+                <a:ea typeface="Chalkboard" charset="0"/>
+                <a:cs typeface="Chalkboard" charset="0"/>
+              </a:defRPr>
+            </a:lvl5pPr>
+            <a:lvl6pPr marL="2514600" indent="-228600" algn="l" defTabSz="914400" rtl="0" eaLnBrk="1" latinLnBrk="0" hangingPunct="1">
+              <a:lnSpc>
+                <a:spcPct val="90000"/>
+              </a:lnSpc>
+              <a:spcBef>
+                <a:spcPts val="500"/>
+              </a:spcBef>
+              <a:buFont typeface="Arial"/>
+              <a:buChar char="•"/>
+              <a:defRPr sz="1800" kern="1200">
+                <a:solidFill>
+                  <a:schemeClr val="tx1"/>
+                </a:solidFill>
+                <a:latin typeface="+mn-lt"/>
+                <a:ea typeface="+mn-ea"/>
+                <a:cs typeface="+mn-cs"/>
+              </a:defRPr>
+            </a:lvl6pPr>
+            <a:lvl7pPr marL="2971800" indent="-228600" algn="l" defTabSz="914400" rtl="0" eaLnBrk="1" latinLnBrk="0" hangingPunct="1">
+              <a:lnSpc>
+                <a:spcPct val="90000"/>
+              </a:lnSpc>
+              <a:spcBef>
+                <a:spcPts val="500"/>
+              </a:spcBef>
+              <a:buFont typeface="Arial"/>
+              <a:buChar char="•"/>
+              <a:defRPr sz="1800" kern="1200">
+                <a:solidFill>
+                  <a:schemeClr val="tx1"/>
+                </a:solidFill>
+                <a:latin typeface="+mn-lt"/>
+                <a:ea typeface="+mn-ea"/>
+                <a:cs typeface="+mn-cs"/>
+              </a:defRPr>
+            </a:lvl7pPr>
+            <a:lvl8pPr marL="3429000" indent="-228600" algn="l" defTabSz="914400" rtl="0" eaLnBrk="1" latinLnBrk="0" hangingPunct="1">
+              <a:lnSpc>
+                <a:spcPct val="90000"/>
+              </a:lnSpc>
+              <a:spcBef>
+                <a:spcPts val="500"/>
+              </a:spcBef>
+              <a:buFont typeface="Arial"/>
+              <a:buChar char="•"/>
+              <a:defRPr sz="1800" kern="1200">
+                <a:solidFill>
+                  <a:schemeClr val="tx1"/>
+                </a:solidFill>
+                <a:latin typeface="+mn-lt"/>
+                <a:ea typeface="+mn-ea"/>
+                <a:cs typeface="+mn-cs"/>
+              </a:defRPr>
+            </a:lvl8pPr>
+            <a:lvl9pPr marL="3886200" indent="-228600" algn="l" defTabSz="914400" rtl="0" eaLnBrk="1" latinLnBrk="0" hangingPunct="1">
+              <a:lnSpc>
+                <a:spcPct val="90000"/>
+              </a:lnSpc>
+              <a:spcBef>
+                <a:spcPts val="500"/>
+              </a:spcBef>
+              <a:buFont typeface="Arial"/>
+              <a:buChar char="•"/>
+              <a:defRPr sz="1800" kern="1200">
+                <a:solidFill>
+                  <a:schemeClr val="tx1"/>
+                </a:solidFill>
+                <a:latin typeface="+mn-lt"/>
+                <a:ea typeface="+mn-ea"/>
+                <a:cs typeface="+mn-cs"/>
+              </a:defRPr>
+            </a:lvl9pPr>
+          </a:lstStyle>
+          <a:p>
+            <a:pPr marL="0" indent="0">
+              <a:lnSpc>
+                <a:spcPct val="100000"/>
+              </a:lnSpc>
+              <a:buNone/>
+            </a:pPr>
+            <a:endParaRPr lang="en-US" altLang="zh-CN" sz="2000" dirty="0">
+              <a:solidFill>
+                <a:srgbClr val="C00000"/>
+              </a:solidFill>
+            </a:endParaRPr>
+          </a:p>
+        </p:txBody>
+      </p:sp>
+    </p:spTree>
+    <p:extLst>
+      <p:ext uri="{BB962C8B-B14F-4D97-AF65-F5344CB8AC3E}">
+        <p14:creationId xmlns:p14="http://schemas.microsoft.com/office/powerpoint/2010/main" val="4031406004"/>
+      </p:ext>
+    </p:extLst>
+  </p:cSld>
+  <p:clrMapOvr>
+    <a:masterClrMapping/>
+  </p:clrMapOvr>
+</p:sld>
+</file>
+
+<file path=ppt/slides/slide7.xml><?xml version="1.0" encoding="utf-8"?>
 <p:sld xmlns:a="http://schemas.openxmlformats.org/drawingml/2006/main" xmlns:r="http://schemas.openxmlformats.org/officeDocument/2006/relationships" xmlns:p="http://schemas.openxmlformats.org/presentationml/2006/main">
   <p:cSld>
     <p:spTree>
